--- a/Neighborhood.pptx
+++ b/Neighborhood.pptx
@@ -109,11 +109,6 @@
       </a:defRPr>
     </a:lvl9pPr>
   </p:defaultTextStyle>
-  <p:extLst>
-    <p:ext uri="{EFAFB233-063F-42B5-8137-9DF3F51BA10A}">
-      <p15:sldGuideLst xmlns:p15="http://schemas.microsoft.com/office/powerpoint/2012/main"/>
-    </p:ext>
-  </p:extLst>
 </p:presentation>
 </file>
 
@@ -139,7 +134,7 @@
           <p:cNvPr id="2" name="Title 1">
             <a:extLst>
               <a:ext uri="{FF2B5EF4-FFF2-40B4-BE49-F238E27FC236}">
-                <a16:creationId xmlns:a16="http://schemas.microsoft.com/office/drawing/2014/main" xmlns="" id="{ADA3CAEE-9619-4CE6-B1CF-522996B46325}"/>
+                <a16:creationId xmlns:a16="http://schemas.microsoft.com/office/drawing/2014/main" id="{ADA3CAEE-9619-4CE6-B1CF-522996B46325}"/>
               </a:ext>
             </a:extLst>
           </p:cNvPr>
@@ -176,7 +171,7 @@
           <p:cNvPr id="3" name="Subtitle 2">
             <a:extLst>
               <a:ext uri="{FF2B5EF4-FFF2-40B4-BE49-F238E27FC236}">
-                <a16:creationId xmlns:a16="http://schemas.microsoft.com/office/drawing/2014/main" xmlns="" id="{7F34A673-5EF1-46FB-9B50-2D9CD3FC09AC}"/>
+                <a16:creationId xmlns:a16="http://schemas.microsoft.com/office/drawing/2014/main" id="{7F34A673-5EF1-46FB-9B50-2D9CD3FC09AC}"/>
               </a:ext>
             </a:extLst>
           </p:cNvPr>
@@ -246,7 +241,7 @@
           <p:cNvPr id="4" name="Date Placeholder 3">
             <a:extLst>
               <a:ext uri="{FF2B5EF4-FFF2-40B4-BE49-F238E27FC236}">
-                <a16:creationId xmlns:a16="http://schemas.microsoft.com/office/drawing/2014/main" xmlns="" id="{542EBAEE-CC64-4A27-9D0E-065717E68E85}"/>
+                <a16:creationId xmlns:a16="http://schemas.microsoft.com/office/drawing/2014/main" id="{542EBAEE-CC64-4A27-9D0E-065717E68E85}"/>
               </a:ext>
             </a:extLst>
           </p:cNvPr>
@@ -264,7 +259,7 @@
           <a:p>
             <a:fld id="{2F59B36B-A8DA-4A94-B313-FD28DB1827DB}" type="datetimeFigureOut">
               <a:rPr lang="en-US" smtClean="0"/>
-              <a:t>5/21/2021</a:t>
+              <a:t>12/27/2018</a:t>
             </a:fld>
             <a:endParaRPr lang="en-US"/>
           </a:p>
@@ -275,7 +270,7 @@
           <p:cNvPr id="5" name="Footer Placeholder 4">
             <a:extLst>
               <a:ext uri="{FF2B5EF4-FFF2-40B4-BE49-F238E27FC236}">
-                <a16:creationId xmlns:a16="http://schemas.microsoft.com/office/drawing/2014/main" xmlns="" id="{336127B5-C3B8-4C26-8769-5DFE8AC80F9A}"/>
+                <a16:creationId xmlns:a16="http://schemas.microsoft.com/office/drawing/2014/main" id="{336127B5-C3B8-4C26-8769-5DFE8AC80F9A}"/>
               </a:ext>
             </a:extLst>
           </p:cNvPr>
@@ -300,7 +295,7 @@
           <p:cNvPr id="6" name="Slide Number Placeholder 5">
             <a:extLst>
               <a:ext uri="{FF2B5EF4-FFF2-40B4-BE49-F238E27FC236}">
-                <a16:creationId xmlns:a16="http://schemas.microsoft.com/office/drawing/2014/main" xmlns="" id="{98AF3FC8-01A0-454E-8E9F-B628D54745DC}"/>
+                <a16:creationId xmlns:a16="http://schemas.microsoft.com/office/drawing/2014/main" id="{98AF3FC8-01A0-454E-8E9F-B628D54745DC}"/>
               </a:ext>
             </a:extLst>
           </p:cNvPr>
@@ -359,7 +354,7 @@
           <p:cNvPr id="2" name="Title 1">
             <a:extLst>
               <a:ext uri="{FF2B5EF4-FFF2-40B4-BE49-F238E27FC236}">
-                <a16:creationId xmlns:a16="http://schemas.microsoft.com/office/drawing/2014/main" xmlns="" id="{6DFEED3D-8396-41D8-AEBF-3815DE7AA30A}"/>
+                <a16:creationId xmlns:a16="http://schemas.microsoft.com/office/drawing/2014/main" id="{6DFEED3D-8396-41D8-AEBF-3815DE7AA30A}"/>
               </a:ext>
             </a:extLst>
           </p:cNvPr>
@@ -387,7 +382,7 @@
           <p:cNvPr id="3" name="Vertical Text Placeholder 2">
             <a:extLst>
               <a:ext uri="{FF2B5EF4-FFF2-40B4-BE49-F238E27FC236}">
-                <a16:creationId xmlns:a16="http://schemas.microsoft.com/office/drawing/2014/main" xmlns="" id="{31713145-F213-4B60-95F1-79E174DBB613}"/>
+                <a16:creationId xmlns:a16="http://schemas.microsoft.com/office/drawing/2014/main" id="{31713145-F213-4B60-95F1-79E174DBB613}"/>
               </a:ext>
             </a:extLst>
           </p:cNvPr>
@@ -444,7 +439,7 @@
           <p:cNvPr id="4" name="Date Placeholder 3">
             <a:extLst>
               <a:ext uri="{FF2B5EF4-FFF2-40B4-BE49-F238E27FC236}">
-                <a16:creationId xmlns:a16="http://schemas.microsoft.com/office/drawing/2014/main" xmlns="" id="{E1AEF3F2-7DB2-4D8D-86A4-3AC4FBAFAA41}"/>
+                <a16:creationId xmlns:a16="http://schemas.microsoft.com/office/drawing/2014/main" id="{E1AEF3F2-7DB2-4D8D-86A4-3AC4FBAFAA41}"/>
               </a:ext>
             </a:extLst>
           </p:cNvPr>
@@ -462,7 +457,7 @@
           <a:p>
             <a:fld id="{2F59B36B-A8DA-4A94-B313-FD28DB1827DB}" type="datetimeFigureOut">
               <a:rPr lang="en-US" smtClean="0"/>
-              <a:t>5/21/2021</a:t>
+              <a:t>12/27/2018</a:t>
             </a:fld>
             <a:endParaRPr lang="en-US"/>
           </a:p>
@@ -473,7 +468,7 @@
           <p:cNvPr id="5" name="Footer Placeholder 4">
             <a:extLst>
               <a:ext uri="{FF2B5EF4-FFF2-40B4-BE49-F238E27FC236}">
-                <a16:creationId xmlns:a16="http://schemas.microsoft.com/office/drawing/2014/main" xmlns="" id="{457B8FF5-1A8F-4C84-8ABF-4456625EBC5F}"/>
+                <a16:creationId xmlns:a16="http://schemas.microsoft.com/office/drawing/2014/main" id="{457B8FF5-1A8F-4C84-8ABF-4456625EBC5F}"/>
               </a:ext>
             </a:extLst>
           </p:cNvPr>
@@ -498,7 +493,7 @@
           <p:cNvPr id="6" name="Slide Number Placeholder 5">
             <a:extLst>
               <a:ext uri="{FF2B5EF4-FFF2-40B4-BE49-F238E27FC236}">
-                <a16:creationId xmlns:a16="http://schemas.microsoft.com/office/drawing/2014/main" xmlns="" id="{1762FB89-6D40-4235-BE51-6F876070D9EF}"/>
+                <a16:creationId xmlns:a16="http://schemas.microsoft.com/office/drawing/2014/main" id="{1762FB89-6D40-4235-BE51-6F876070D9EF}"/>
               </a:ext>
             </a:extLst>
           </p:cNvPr>
@@ -557,7 +552,7 @@
           <p:cNvPr id="2" name="Vertical Title 1">
             <a:extLst>
               <a:ext uri="{FF2B5EF4-FFF2-40B4-BE49-F238E27FC236}">
-                <a16:creationId xmlns:a16="http://schemas.microsoft.com/office/drawing/2014/main" xmlns="" id="{DB1C7D46-6341-45A2-ADF0-CFDA0495D7B7}"/>
+                <a16:creationId xmlns:a16="http://schemas.microsoft.com/office/drawing/2014/main" id="{DB1C7D46-6341-45A2-ADF0-CFDA0495D7B7}"/>
               </a:ext>
             </a:extLst>
           </p:cNvPr>
@@ -590,7 +585,7 @@
           <p:cNvPr id="3" name="Vertical Text Placeholder 2">
             <a:extLst>
               <a:ext uri="{FF2B5EF4-FFF2-40B4-BE49-F238E27FC236}">
-                <a16:creationId xmlns:a16="http://schemas.microsoft.com/office/drawing/2014/main" xmlns="" id="{0509FCE8-DB49-4C40-AEBC-538B687DBF5B}"/>
+                <a16:creationId xmlns:a16="http://schemas.microsoft.com/office/drawing/2014/main" id="{0509FCE8-DB49-4C40-AEBC-538B687DBF5B}"/>
               </a:ext>
             </a:extLst>
           </p:cNvPr>
@@ -652,7 +647,7 @@
           <p:cNvPr id="4" name="Date Placeholder 3">
             <a:extLst>
               <a:ext uri="{FF2B5EF4-FFF2-40B4-BE49-F238E27FC236}">
-                <a16:creationId xmlns:a16="http://schemas.microsoft.com/office/drawing/2014/main" xmlns="" id="{D4E9A4A6-3A81-4758-A4D6-3AF568182D27}"/>
+                <a16:creationId xmlns:a16="http://schemas.microsoft.com/office/drawing/2014/main" id="{D4E9A4A6-3A81-4758-A4D6-3AF568182D27}"/>
               </a:ext>
             </a:extLst>
           </p:cNvPr>
@@ -670,7 +665,7 @@
           <a:p>
             <a:fld id="{2F59B36B-A8DA-4A94-B313-FD28DB1827DB}" type="datetimeFigureOut">
               <a:rPr lang="en-US" smtClean="0"/>
-              <a:t>5/21/2021</a:t>
+              <a:t>12/27/2018</a:t>
             </a:fld>
             <a:endParaRPr lang="en-US"/>
           </a:p>
@@ -681,7 +676,7 @@
           <p:cNvPr id="5" name="Footer Placeholder 4">
             <a:extLst>
               <a:ext uri="{FF2B5EF4-FFF2-40B4-BE49-F238E27FC236}">
-                <a16:creationId xmlns:a16="http://schemas.microsoft.com/office/drawing/2014/main" xmlns="" id="{10EC9E17-0C0E-4E3A-B2DB-59B490189227}"/>
+                <a16:creationId xmlns:a16="http://schemas.microsoft.com/office/drawing/2014/main" id="{10EC9E17-0C0E-4E3A-B2DB-59B490189227}"/>
               </a:ext>
             </a:extLst>
           </p:cNvPr>
@@ -706,7 +701,7 @@
           <p:cNvPr id="6" name="Slide Number Placeholder 5">
             <a:extLst>
               <a:ext uri="{FF2B5EF4-FFF2-40B4-BE49-F238E27FC236}">
-                <a16:creationId xmlns:a16="http://schemas.microsoft.com/office/drawing/2014/main" xmlns="" id="{31B96713-D303-4F6C-BCB1-C9F1286BCDEA}"/>
+                <a16:creationId xmlns:a16="http://schemas.microsoft.com/office/drawing/2014/main" id="{31B96713-D303-4F6C-BCB1-C9F1286BCDEA}"/>
               </a:ext>
             </a:extLst>
           </p:cNvPr>
@@ -765,7 +760,7 @@
           <p:cNvPr id="2" name="Title 1">
             <a:extLst>
               <a:ext uri="{FF2B5EF4-FFF2-40B4-BE49-F238E27FC236}">
-                <a16:creationId xmlns:a16="http://schemas.microsoft.com/office/drawing/2014/main" xmlns="" id="{251D100E-FC2D-40BE-B9D7-34E91DD545D0}"/>
+                <a16:creationId xmlns:a16="http://schemas.microsoft.com/office/drawing/2014/main" id="{251D100E-FC2D-40BE-B9D7-34E91DD545D0}"/>
               </a:ext>
             </a:extLst>
           </p:cNvPr>
@@ -793,7 +788,7 @@
           <p:cNvPr id="3" name="Content Placeholder 2">
             <a:extLst>
               <a:ext uri="{FF2B5EF4-FFF2-40B4-BE49-F238E27FC236}">
-                <a16:creationId xmlns:a16="http://schemas.microsoft.com/office/drawing/2014/main" xmlns="" id="{9C55FD58-44B0-4119-8A93-85E721FD07F0}"/>
+                <a16:creationId xmlns:a16="http://schemas.microsoft.com/office/drawing/2014/main" id="{9C55FD58-44B0-4119-8A93-85E721FD07F0}"/>
               </a:ext>
             </a:extLst>
           </p:cNvPr>
@@ -850,7 +845,7 @@
           <p:cNvPr id="4" name="Date Placeholder 3">
             <a:extLst>
               <a:ext uri="{FF2B5EF4-FFF2-40B4-BE49-F238E27FC236}">
-                <a16:creationId xmlns:a16="http://schemas.microsoft.com/office/drawing/2014/main" xmlns="" id="{BF05FFA3-DF7A-41E3-93BE-B10127A71B8A}"/>
+                <a16:creationId xmlns:a16="http://schemas.microsoft.com/office/drawing/2014/main" id="{BF05FFA3-DF7A-41E3-93BE-B10127A71B8A}"/>
               </a:ext>
             </a:extLst>
           </p:cNvPr>
@@ -868,7 +863,7 @@
           <a:p>
             <a:fld id="{2F59B36B-A8DA-4A94-B313-FD28DB1827DB}" type="datetimeFigureOut">
               <a:rPr lang="en-US" smtClean="0"/>
-              <a:t>5/21/2021</a:t>
+              <a:t>12/27/2018</a:t>
             </a:fld>
             <a:endParaRPr lang="en-US"/>
           </a:p>
@@ -879,7 +874,7 @@
           <p:cNvPr id="5" name="Footer Placeholder 4">
             <a:extLst>
               <a:ext uri="{FF2B5EF4-FFF2-40B4-BE49-F238E27FC236}">
-                <a16:creationId xmlns:a16="http://schemas.microsoft.com/office/drawing/2014/main" xmlns="" id="{B985E5D2-113F-4501-9937-29323CF9D163}"/>
+                <a16:creationId xmlns:a16="http://schemas.microsoft.com/office/drawing/2014/main" id="{B985E5D2-113F-4501-9937-29323CF9D163}"/>
               </a:ext>
             </a:extLst>
           </p:cNvPr>
@@ -904,7 +899,7 @@
           <p:cNvPr id="6" name="Slide Number Placeholder 5">
             <a:extLst>
               <a:ext uri="{FF2B5EF4-FFF2-40B4-BE49-F238E27FC236}">
-                <a16:creationId xmlns:a16="http://schemas.microsoft.com/office/drawing/2014/main" xmlns="" id="{D0E51608-5F4C-4B4F-98DE-7D6B3AB7B929}"/>
+                <a16:creationId xmlns:a16="http://schemas.microsoft.com/office/drawing/2014/main" id="{D0E51608-5F4C-4B4F-98DE-7D6B3AB7B929}"/>
               </a:ext>
             </a:extLst>
           </p:cNvPr>
@@ -963,7 +958,7 @@
           <p:cNvPr id="2" name="Title 1">
             <a:extLst>
               <a:ext uri="{FF2B5EF4-FFF2-40B4-BE49-F238E27FC236}">
-                <a16:creationId xmlns:a16="http://schemas.microsoft.com/office/drawing/2014/main" xmlns="" id="{F424034C-819F-4096-B533-1439FEBF0F1F}"/>
+                <a16:creationId xmlns:a16="http://schemas.microsoft.com/office/drawing/2014/main" id="{F424034C-819F-4096-B533-1439FEBF0F1F}"/>
               </a:ext>
             </a:extLst>
           </p:cNvPr>
@@ -1000,7 +995,7 @@
           <p:cNvPr id="3" name="Text Placeholder 2">
             <a:extLst>
               <a:ext uri="{FF2B5EF4-FFF2-40B4-BE49-F238E27FC236}">
-                <a16:creationId xmlns:a16="http://schemas.microsoft.com/office/drawing/2014/main" xmlns="" id="{1C8E2F51-F390-40FA-8D4C-61E98BB6874E}"/>
+                <a16:creationId xmlns:a16="http://schemas.microsoft.com/office/drawing/2014/main" id="{1C8E2F51-F390-40FA-8D4C-61E98BB6874E}"/>
               </a:ext>
             </a:extLst>
           </p:cNvPr>
@@ -1125,7 +1120,7 @@
           <p:cNvPr id="4" name="Date Placeholder 3">
             <a:extLst>
               <a:ext uri="{FF2B5EF4-FFF2-40B4-BE49-F238E27FC236}">
-                <a16:creationId xmlns:a16="http://schemas.microsoft.com/office/drawing/2014/main" xmlns="" id="{AB6C91B5-4561-4CFC-9B90-514154DE3064}"/>
+                <a16:creationId xmlns:a16="http://schemas.microsoft.com/office/drawing/2014/main" id="{AB6C91B5-4561-4CFC-9B90-514154DE3064}"/>
               </a:ext>
             </a:extLst>
           </p:cNvPr>
@@ -1143,7 +1138,7 @@
           <a:p>
             <a:fld id="{2F59B36B-A8DA-4A94-B313-FD28DB1827DB}" type="datetimeFigureOut">
               <a:rPr lang="en-US" smtClean="0"/>
-              <a:t>5/21/2021</a:t>
+              <a:t>12/27/2018</a:t>
             </a:fld>
             <a:endParaRPr lang="en-US"/>
           </a:p>
@@ -1154,7 +1149,7 @@
           <p:cNvPr id="5" name="Footer Placeholder 4">
             <a:extLst>
               <a:ext uri="{FF2B5EF4-FFF2-40B4-BE49-F238E27FC236}">
-                <a16:creationId xmlns:a16="http://schemas.microsoft.com/office/drawing/2014/main" xmlns="" id="{B4A4A9C7-1D92-483F-9C8B-D703E82F2D54}"/>
+                <a16:creationId xmlns:a16="http://schemas.microsoft.com/office/drawing/2014/main" id="{B4A4A9C7-1D92-483F-9C8B-D703E82F2D54}"/>
               </a:ext>
             </a:extLst>
           </p:cNvPr>
@@ -1179,7 +1174,7 @@
           <p:cNvPr id="6" name="Slide Number Placeholder 5">
             <a:extLst>
               <a:ext uri="{FF2B5EF4-FFF2-40B4-BE49-F238E27FC236}">
-                <a16:creationId xmlns:a16="http://schemas.microsoft.com/office/drawing/2014/main" xmlns="" id="{BCFFA98B-095C-4CB6-B6A9-9B951842E667}"/>
+                <a16:creationId xmlns:a16="http://schemas.microsoft.com/office/drawing/2014/main" id="{BCFFA98B-095C-4CB6-B6A9-9B951842E667}"/>
               </a:ext>
             </a:extLst>
           </p:cNvPr>
@@ -1238,7 +1233,7 @@
           <p:cNvPr id="2" name="Title 1">
             <a:extLst>
               <a:ext uri="{FF2B5EF4-FFF2-40B4-BE49-F238E27FC236}">
-                <a16:creationId xmlns:a16="http://schemas.microsoft.com/office/drawing/2014/main" xmlns="" id="{1B01B13C-7DD2-4C82-98C9-BB48DE082707}"/>
+                <a16:creationId xmlns:a16="http://schemas.microsoft.com/office/drawing/2014/main" id="{1B01B13C-7DD2-4C82-98C9-BB48DE082707}"/>
               </a:ext>
             </a:extLst>
           </p:cNvPr>
@@ -1266,7 +1261,7 @@
           <p:cNvPr id="3" name="Content Placeholder 2">
             <a:extLst>
               <a:ext uri="{FF2B5EF4-FFF2-40B4-BE49-F238E27FC236}">
-                <a16:creationId xmlns:a16="http://schemas.microsoft.com/office/drawing/2014/main" xmlns="" id="{27F940CA-9366-4E70-B401-212DC9CAEA10}"/>
+                <a16:creationId xmlns:a16="http://schemas.microsoft.com/office/drawing/2014/main" id="{27F940CA-9366-4E70-B401-212DC9CAEA10}"/>
               </a:ext>
             </a:extLst>
           </p:cNvPr>
@@ -1328,7 +1323,7 @@
           <p:cNvPr id="4" name="Content Placeholder 3">
             <a:extLst>
               <a:ext uri="{FF2B5EF4-FFF2-40B4-BE49-F238E27FC236}">
-                <a16:creationId xmlns:a16="http://schemas.microsoft.com/office/drawing/2014/main" xmlns="" id="{93C98D21-8EB7-4611-8F7D-7F8B5360F962}"/>
+                <a16:creationId xmlns:a16="http://schemas.microsoft.com/office/drawing/2014/main" id="{93C98D21-8EB7-4611-8F7D-7F8B5360F962}"/>
               </a:ext>
             </a:extLst>
           </p:cNvPr>
@@ -1390,7 +1385,7 @@
           <p:cNvPr id="5" name="Date Placeholder 4">
             <a:extLst>
               <a:ext uri="{FF2B5EF4-FFF2-40B4-BE49-F238E27FC236}">
-                <a16:creationId xmlns:a16="http://schemas.microsoft.com/office/drawing/2014/main" xmlns="" id="{E30B343C-2A21-4F7D-AC68-6B87F3FBFE8B}"/>
+                <a16:creationId xmlns:a16="http://schemas.microsoft.com/office/drawing/2014/main" id="{E30B343C-2A21-4F7D-AC68-6B87F3FBFE8B}"/>
               </a:ext>
             </a:extLst>
           </p:cNvPr>
@@ -1408,7 +1403,7 @@
           <a:p>
             <a:fld id="{2F59B36B-A8DA-4A94-B313-FD28DB1827DB}" type="datetimeFigureOut">
               <a:rPr lang="en-US" smtClean="0"/>
-              <a:t>5/21/2021</a:t>
+              <a:t>12/27/2018</a:t>
             </a:fld>
             <a:endParaRPr lang="en-US"/>
           </a:p>
@@ -1419,7 +1414,7 @@
           <p:cNvPr id="6" name="Footer Placeholder 5">
             <a:extLst>
               <a:ext uri="{FF2B5EF4-FFF2-40B4-BE49-F238E27FC236}">
-                <a16:creationId xmlns:a16="http://schemas.microsoft.com/office/drawing/2014/main" xmlns="" id="{853E8041-D938-410A-908B-F15F43E77EAD}"/>
+                <a16:creationId xmlns:a16="http://schemas.microsoft.com/office/drawing/2014/main" id="{853E8041-D938-410A-908B-F15F43E77EAD}"/>
               </a:ext>
             </a:extLst>
           </p:cNvPr>
@@ -1444,7 +1439,7 @@
           <p:cNvPr id="7" name="Slide Number Placeholder 6">
             <a:extLst>
               <a:ext uri="{FF2B5EF4-FFF2-40B4-BE49-F238E27FC236}">
-                <a16:creationId xmlns:a16="http://schemas.microsoft.com/office/drawing/2014/main" xmlns="" id="{2ED974B7-F4BD-4DA8-9E68-52641CB1EB97}"/>
+                <a16:creationId xmlns:a16="http://schemas.microsoft.com/office/drawing/2014/main" id="{2ED974B7-F4BD-4DA8-9E68-52641CB1EB97}"/>
               </a:ext>
             </a:extLst>
           </p:cNvPr>
@@ -1503,7 +1498,7 @@
           <p:cNvPr id="2" name="Title 1">
             <a:extLst>
               <a:ext uri="{FF2B5EF4-FFF2-40B4-BE49-F238E27FC236}">
-                <a16:creationId xmlns:a16="http://schemas.microsoft.com/office/drawing/2014/main" xmlns="" id="{F2CDAE3E-6EEA-4AA7-B75C-2F4EDCBEEAC2}"/>
+                <a16:creationId xmlns:a16="http://schemas.microsoft.com/office/drawing/2014/main" id="{F2CDAE3E-6EEA-4AA7-B75C-2F4EDCBEEAC2}"/>
               </a:ext>
             </a:extLst>
           </p:cNvPr>
@@ -1536,7 +1531,7 @@
           <p:cNvPr id="3" name="Text Placeholder 2">
             <a:extLst>
               <a:ext uri="{FF2B5EF4-FFF2-40B4-BE49-F238E27FC236}">
-                <a16:creationId xmlns:a16="http://schemas.microsoft.com/office/drawing/2014/main" xmlns="" id="{64ADFA4A-D76D-47DA-BC8F-3E0691D207BA}"/>
+                <a16:creationId xmlns:a16="http://schemas.microsoft.com/office/drawing/2014/main" id="{64ADFA4A-D76D-47DA-BC8F-3E0691D207BA}"/>
               </a:ext>
             </a:extLst>
           </p:cNvPr>
@@ -1607,7 +1602,7 @@
           <p:cNvPr id="4" name="Content Placeholder 3">
             <a:extLst>
               <a:ext uri="{FF2B5EF4-FFF2-40B4-BE49-F238E27FC236}">
-                <a16:creationId xmlns:a16="http://schemas.microsoft.com/office/drawing/2014/main" xmlns="" id="{069AAB59-9104-4FA5-803E-116A29536F7D}"/>
+                <a16:creationId xmlns:a16="http://schemas.microsoft.com/office/drawing/2014/main" id="{069AAB59-9104-4FA5-803E-116A29536F7D}"/>
               </a:ext>
             </a:extLst>
           </p:cNvPr>
@@ -1669,7 +1664,7 @@
           <p:cNvPr id="5" name="Text Placeholder 4">
             <a:extLst>
               <a:ext uri="{FF2B5EF4-FFF2-40B4-BE49-F238E27FC236}">
-                <a16:creationId xmlns:a16="http://schemas.microsoft.com/office/drawing/2014/main" xmlns="" id="{622701B9-9E52-4667-9722-98E7027B99D8}"/>
+                <a16:creationId xmlns:a16="http://schemas.microsoft.com/office/drawing/2014/main" id="{622701B9-9E52-4667-9722-98E7027B99D8}"/>
               </a:ext>
             </a:extLst>
           </p:cNvPr>
@@ -1740,7 +1735,7 @@
           <p:cNvPr id="6" name="Content Placeholder 5">
             <a:extLst>
               <a:ext uri="{FF2B5EF4-FFF2-40B4-BE49-F238E27FC236}">
-                <a16:creationId xmlns:a16="http://schemas.microsoft.com/office/drawing/2014/main" xmlns="" id="{3A8E5084-85B1-452A-A7F1-B47745D5241F}"/>
+                <a16:creationId xmlns:a16="http://schemas.microsoft.com/office/drawing/2014/main" id="{3A8E5084-85B1-452A-A7F1-B47745D5241F}"/>
               </a:ext>
             </a:extLst>
           </p:cNvPr>
@@ -1802,7 +1797,7 @@
           <p:cNvPr id="7" name="Date Placeholder 6">
             <a:extLst>
               <a:ext uri="{FF2B5EF4-FFF2-40B4-BE49-F238E27FC236}">
-                <a16:creationId xmlns:a16="http://schemas.microsoft.com/office/drawing/2014/main" xmlns="" id="{C56619A1-3DB5-4DF3-8EA4-40F16E1079A3}"/>
+                <a16:creationId xmlns:a16="http://schemas.microsoft.com/office/drawing/2014/main" id="{C56619A1-3DB5-4DF3-8EA4-40F16E1079A3}"/>
               </a:ext>
             </a:extLst>
           </p:cNvPr>
@@ -1820,7 +1815,7 @@
           <a:p>
             <a:fld id="{2F59B36B-A8DA-4A94-B313-FD28DB1827DB}" type="datetimeFigureOut">
               <a:rPr lang="en-US" smtClean="0"/>
-              <a:t>5/21/2021</a:t>
+              <a:t>12/27/2018</a:t>
             </a:fld>
             <a:endParaRPr lang="en-US"/>
           </a:p>
@@ -1831,7 +1826,7 @@
           <p:cNvPr id="8" name="Footer Placeholder 7">
             <a:extLst>
               <a:ext uri="{FF2B5EF4-FFF2-40B4-BE49-F238E27FC236}">
-                <a16:creationId xmlns:a16="http://schemas.microsoft.com/office/drawing/2014/main" xmlns="" id="{17C130CC-06E3-4ABD-9D0C-F0DABA0AF6F9}"/>
+                <a16:creationId xmlns:a16="http://schemas.microsoft.com/office/drawing/2014/main" id="{17C130CC-06E3-4ABD-9D0C-F0DABA0AF6F9}"/>
               </a:ext>
             </a:extLst>
           </p:cNvPr>
@@ -1856,7 +1851,7 @@
           <p:cNvPr id="9" name="Slide Number Placeholder 8">
             <a:extLst>
               <a:ext uri="{FF2B5EF4-FFF2-40B4-BE49-F238E27FC236}">
-                <a16:creationId xmlns:a16="http://schemas.microsoft.com/office/drawing/2014/main" xmlns="" id="{D5494291-22CF-459A-B63B-130D0A7D4EB2}"/>
+                <a16:creationId xmlns:a16="http://schemas.microsoft.com/office/drawing/2014/main" id="{D5494291-22CF-459A-B63B-130D0A7D4EB2}"/>
               </a:ext>
             </a:extLst>
           </p:cNvPr>
@@ -1915,7 +1910,7 @@
           <p:cNvPr id="2" name="Title 1">
             <a:extLst>
               <a:ext uri="{FF2B5EF4-FFF2-40B4-BE49-F238E27FC236}">
-                <a16:creationId xmlns:a16="http://schemas.microsoft.com/office/drawing/2014/main" xmlns="" id="{87B1FA5B-009B-4DCB-BFAD-4B83223D7422}"/>
+                <a16:creationId xmlns:a16="http://schemas.microsoft.com/office/drawing/2014/main" id="{87B1FA5B-009B-4DCB-BFAD-4B83223D7422}"/>
               </a:ext>
             </a:extLst>
           </p:cNvPr>
@@ -1943,7 +1938,7 @@
           <p:cNvPr id="3" name="Date Placeholder 2">
             <a:extLst>
               <a:ext uri="{FF2B5EF4-FFF2-40B4-BE49-F238E27FC236}">
-                <a16:creationId xmlns:a16="http://schemas.microsoft.com/office/drawing/2014/main" xmlns="" id="{5724EE9B-B9B9-435D-930E-787B27D70598}"/>
+                <a16:creationId xmlns:a16="http://schemas.microsoft.com/office/drawing/2014/main" id="{5724EE9B-B9B9-435D-930E-787B27D70598}"/>
               </a:ext>
             </a:extLst>
           </p:cNvPr>
@@ -1961,7 +1956,7 @@
           <a:p>
             <a:fld id="{2F59B36B-A8DA-4A94-B313-FD28DB1827DB}" type="datetimeFigureOut">
               <a:rPr lang="en-US" smtClean="0"/>
-              <a:t>5/21/2021</a:t>
+              <a:t>12/27/2018</a:t>
             </a:fld>
             <a:endParaRPr lang="en-US"/>
           </a:p>
@@ -1972,7 +1967,7 @@
           <p:cNvPr id="4" name="Footer Placeholder 3">
             <a:extLst>
               <a:ext uri="{FF2B5EF4-FFF2-40B4-BE49-F238E27FC236}">
-                <a16:creationId xmlns:a16="http://schemas.microsoft.com/office/drawing/2014/main" xmlns="" id="{4DD744C1-DBC5-4362-ABBA-F2C6689C9D21}"/>
+                <a16:creationId xmlns:a16="http://schemas.microsoft.com/office/drawing/2014/main" id="{4DD744C1-DBC5-4362-ABBA-F2C6689C9D21}"/>
               </a:ext>
             </a:extLst>
           </p:cNvPr>
@@ -1997,7 +1992,7 @@
           <p:cNvPr id="5" name="Slide Number Placeholder 4">
             <a:extLst>
               <a:ext uri="{FF2B5EF4-FFF2-40B4-BE49-F238E27FC236}">
-                <a16:creationId xmlns:a16="http://schemas.microsoft.com/office/drawing/2014/main" xmlns="" id="{1E5C9D98-1973-4F0B-8C0D-DE98E896D4A9}"/>
+                <a16:creationId xmlns:a16="http://schemas.microsoft.com/office/drawing/2014/main" id="{1E5C9D98-1973-4F0B-8C0D-DE98E896D4A9}"/>
               </a:ext>
             </a:extLst>
           </p:cNvPr>
@@ -2056,7 +2051,7 @@
           <p:cNvPr id="2" name="Date Placeholder 1">
             <a:extLst>
               <a:ext uri="{FF2B5EF4-FFF2-40B4-BE49-F238E27FC236}">
-                <a16:creationId xmlns:a16="http://schemas.microsoft.com/office/drawing/2014/main" xmlns="" id="{F88B77C2-EF83-4275-A93C-391A8DAA0DA3}"/>
+                <a16:creationId xmlns:a16="http://schemas.microsoft.com/office/drawing/2014/main" id="{F88B77C2-EF83-4275-A93C-391A8DAA0DA3}"/>
               </a:ext>
             </a:extLst>
           </p:cNvPr>
@@ -2074,7 +2069,7 @@
           <a:p>
             <a:fld id="{2F59B36B-A8DA-4A94-B313-FD28DB1827DB}" type="datetimeFigureOut">
               <a:rPr lang="en-US" smtClean="0"/>
-              <a:t>5/21/2021</a:t>
+              <a:t>12/27/2018</a:t>
             </a:fld>
             <a:endParaRPr lang="en-US"/>
           </a:p>
@@ -2085,7 +2080,7 @@
           <p:cNvPr id="3" name="Footer Placeholder 2">
             <a:extLst>
               <a:ext uri="{FF2B5EF4-FFF2-40B4-BE49-F238E27FC236}">
-                <a16:creationId xmlns:a16="http://schemas.microsoft.com/office/drawing/2014/main" xmlns="" id="{09346AA0-FB09-4861-8B7F-69AF6B6B661E}"/>
+                <a16:creationId xmlns:a16="http://schemas.microsoft.com/office/drawing/2014/main" id="{09346AA0-FB09-4861-8B7F-69AF6B6B661E}"/>
               </a:ext>
             </a:extLst>
           </p:cNvPr>
@@ -2110,7 +2105,7 @@
           <p:cNvPr id="4" name="Slide Number Placeholder 3">
             <a:extLst>
               <a:ext uri="{FF2B5EF4-FFF2-40B4-BE49-F238E27FC236}">
-                <a16:creationId xmlns:a16="http://schemas.microsoft.com/office/drawing/2014/main" xmlns="" id="{584EFC57-563E-4B3C-9CA3-85DE343337E2}"/>
+                <a16:creationId xmlns:a16="http://schemas.microsoft.com/office/drawing/2014/main" id="{584EFC57-563E-4B3C-9CA3-85DE343337E2}"/>
               </a:ext>
             </a:extLst>
           </p:cNvPr>
@@ -2169,7 +2164,7 @@
           <p:cNvPr id="2" name="Title 1">
             <a:extLst>
               <a:ext uri="{FF2B5EF4-FFF2-40B4-BE49-F238E27FC236}">
-                <a16:creationId xmlns:a16="http://schemas.microsoft.com/office/drawing/2014/main" xmlns="" id="{155A5C65-39FC-4F29-BF18-F8B801014FAB}"/>
+                <a16:creationId xmlns:a16="http://schemas.microsoft.com/office/drawing/2014/main" id="{155A5C65-39FC-4F29-BF18-F8B801014FAB}"/>
               </a:ext>
             </a:extLst>
           </p:cNvPr>
@@ -2206,7 +2201,7 @@
           <p:cNvPr id="3" name="Content Placeholder 2">
             <a:extLst>
               <a:ext uri="{FF2B5EF4-FFF2-40B4-BE49-F238E27FC236}">
-                <a16:creationId xmlns:a16="http://schemas.microsoft.com/office/drawing/2014/main" xmlns="" id="{D7A624C0-F2E1-4204-938C-8D21A2102DC8}"/>
+                <a16:creationId xmlns:a16="http://schemas.microsoft.com/office/drawing/2014/main" id="{D7A624C0-F2E1-4204-938C-8D21A2102DC8}"/>
               </a:ext>
             </a:extLst>
           </p:cNvPr>
@@ -2296,7 +2291,7 @@
           <p:cNvPr id="4" name="Text Placeholder 3">
             <a:extLst>
               <a:ext uri="{FF2B5EF4-FFF2-40B4-BE49-F238E27FC236}">
-                <a16:creationId xmlns:a16="http://schemas.microsoft.com/office/drawing/2014/main" xmlns="" id="{47F076AE-5D16-4BBE-ACB1-425707590A99}"/>
+                <a16:creationId xmlns:a16="http://schemas.microsoft.com/office/drawing/2014/main" id="{47F076AE-5D16-4BBE-ACB1-425707590A99}"/>
               </a:ext>
             </a:extLst>
           </p:cNvPr>
@@ -2367,7 +2362,7 @@
           <p:cNvPr id="5" name="Date Placeholder 4">
             <a:extLst>
               <a:ext uri="{FF2B5EF4-FFF2-40B4-BE49-F238E27FC236}">
-                <a16:creationId xmlns:a16="http://schemas.microsoft.com/office/drawing/2014/main" xmlns="" id="{C96C3071-CC0B-4864-8AD4-0DEB54AB7944}"/>
+                <a16:creationId xmlns:a16="http://schemas.microsoft.com/office/drawing/2014/main" id="{C96C3071-CC0B-4864-8AD4-0DEB54AB7944}"/>
               </a:ext>
             </a:extLst>
           </p:cNvPr>
@@ -2385,7 +2380,7 @@
           <a:p>
             <a:fld id="{2F59B36B-A8DA-4A94-B313-FD28DB1827DB}" type="datetimeFigureOut">
               <a:rPr lang="en-US" smtClean="0"/>
-              <a:t>5/21/2021</a:t>
+              <a:t>12/27/2018</a:t>
             </a:fld>
             <a:endParaRPr lang="en-US"/>
           </a:p>
@@ -2396,7 +2391,7 @@
           <p:cNvPr id="6" name="Footer Placeholder 5">
             <a:extLst>
               <a:ext uri="{FF2B5EF4-FFF2-40B4-BE49-F238E27FC236}">
-                <a16:creationId xmlns:a16="http://schemas.microsoft.com/office/drawing/2014/main" xmlns="" id="{1EBA3F37-503C-479D-A326-91889A7A518E}"/>
+                <a16:creationId xmlns:a16="http://schemas.microsoft.com/office/drawing/2014/main" id="{1EBA3F37-503C-479D-A326-91889A7A518E}"/>
               </a:ext>
             </a:extLst>
           </p:cNvPr>
@@ -2421,7 +2416,7 @@
           <p:cNvPr id="7" name="Slide Number Placeholder 6">
             <a:extLst>
               <a:ext uri="{FF2B5EF4-FFF2-40B4-BE49-F238E27FC236}">
-                <a16:creationId xmlns:a16="http://schemas.microsoft.com/office/drawing/2014/main" xmlns="" id="{3008BF16-9367-41BC-BCD5-9F0FDEB74B2D}"/>
+                <a16:creationId xmlns:a16="http://schemas.microsoft.com/office/drawing/2014/main" id="{3008BF16-9367-41BC-BCD5-9F0FDEB74B2D}"/>
               </a:ext>
             </a:extLst>
           </p:cNvPr>
@@ -2480,7 +2475,7 @@
           <p:cNvPr id="2" name="Title 1">
             <a:extLst>
               <a:ext uri="{FF2B5EF4-FFF2-40B4-BE49-F238E27FC236}">
-                <a16:creationId xmlns:a16="http://schemas.microsoft.com/office/drawing/2014/main" xmlns="" id="{04567D7B-FBAF-4C1E-A7F4-ABD7D76044E7}"/>
+                <a16:creationId xmlns:a16="http://schemas.microsoft.com/office/drawing/2014/main" id="{04567D7B-FBAF-4C1E-A7F4-ABD7D76044E7}"/>
               </a:ext>
             </a:extLst>
           </p:cNvPr>
@@ -2517,7 +2512,7 @@
           <p:cNvPr id="3" name="Picture Placeholder 2">
             <a:extLst>
               <a:ext uri="{FF2B5EF4-FFF2-40B4-BE49-F238E27FC236}">
-                <a16:creationId xmlns:a16="http://schemas.microsoft.com/office/drawing/2014/main" xmlns="" id="{9C51DFE6-CC7F-4E62-A00B-C693C33BBCFE}"/>
+                <a16:creationId xmlns:a16="http://schemas.microsoft.com/office/drawing/2014/main" id="{9C51DFE6-CC7F-4E62-A00B-C693C33BBCFE}"/>
               </a:ext>
             </a:extLst>
           </p:cNvPr>
@@ -2584,7 +2579,7 @@
           <p:cNvPr id="4" name="Text Placeholder 3">
             <a:extLst>
               <a:ext uri="{FF2B5EF4-FFF2-40B4-BE49-F238E27FC236}">
-                <a16:creationId xmlns:a16="http://schemas.microsoft.com/office/drawing/2014/main" xmlns="" id="{66AEFB04-E555-435C-A2A0-9E09A7CBC683}"/>
+                <a16:creationId xmlns:a16="http://schemas.microsoft.com/office/drawing/2014/main" id="{66AEFB04-E555-435C-A2A0-9E09A7CBC683}"/>
               </a:ext>
             </a:extLst>
           </p:cNvPr>
@@ -2655,7 +2650,7 @@
           <p:cNvPr id="5" name="Date Placeholder 4">
             <a:extLst>
               <a:ext uri="{FF2B5EF4-FFF2-40B4-BE49-F238E27FC236}">
-                <a16:creationId xmlns:a16="http://schemas.microsoft.com/office/drawing/2014/main" xmlns="" id="{53DFAE3B-584C-449B-B2C0-4B8CC9933AE0}"/>
+                <a16:creationId xmlns:a16="http://schemas.microsoft.com/office/drawing/2014/main" id="{53DFAE3B-584C-449B-B2C0-4B8CC9933AE0}"/>
               </a:ext>
             </a:extLst>
           </p:cNvPr>
@@ -2673,7 +2668,7 @@
           <a:p>
             <a:fld id="{2F59B36B-A8DA-4A94-B313-FD28DB1827DB}" type="datetimeFigureOut">
               <a:rPr lang="en-US" smtClean="0"/>
-              <a:t>5/21/2021</a:t>
+              <a:t>12/27/2018</a:t>
             </a:fld>
             <a:endParaRPr lang="en-US"/>
           </a:p>
@@ -2684,7 +2679,7 @@
           <p:cNvPr id="6" name="Footer Placeholder 5">
             <a:extLst>
               <a:ext uri="{FF2B5EF4-FFF2-40B4-BE49-F238E27FC236}">
-                <a16:creationId xmlns:a16="http://schemas.microsoft.com/office/drawing/2014/main" xmlns="" id="{587FBAB4-ED5D-490E-80A1-3FF5C79048E3}"/>
+                <a16:creationId xmlns:a16="http://schemas.microsoft.com/office/drawing/2014/main" id="{587FBAB4-ED5D-490E-80A1-3FF5C79048E3}"/>
               </a:ext>
             </a:extLst>
           </p:cNvPr>
@@ -2709,7 +2704,7 @@
           <p:cNvPr id="7" name="Slide Number Placeholder 6">
             <a:extLst>
               <a:ext uri="{FF2B5EF4-FFF2-40B4-BE49-F238E27FC236}">
-                <a16:creationId xmlns:a16="http://schemas.microsoft.com/office/drawing/2014/main" xmlns="" id="{D7DE9E70-2780-40A0-9EA2-D5FFD5D4046C}"/>
+                <a16:creationId xmlns:a16="http://schemas.microsoft.com/office/drawing/2014/main" id="{D7DE9E70-2780-40A0-9EA2-D5FFD5D4046C}"/>
               </a:ext>
             </a:extLst>
           </p:cNvPr>
@@ -2773,7 +2768,7 @@
           <p:cNvPr id="2" name="Title Placeholder 1">
             <a:extLst>
               <a:ext uri="{FF2B5EF4-FFF2-40B4-BE49-F238E27FC236}">
-                <a16:creationId xmlns:a16="http://schemas.microsoft.com/office/drawing/2014/main" xmlns="" id="{36EF95C8-04DD-4C84-8DD3-2967DA400029}"/>
+                <a16:creationId xmlns:a16="http://schemas.microsoft.com/office/drawing/2014/main" id="{36EF95C8-04DD-4C84-8DD3-2967DA400029}"/>
               </a:ext>
             </a:extLst>
           </p:cNvPr>
@@ -2811,7 +2806,7 @@
           <p:cNvPr id="3" name="Text Placeholder 2">
             <a:extLst>
               <a:ext uri="{FF2B5EF4-FFF2-40B4-BE49-F238E27FC236}">
-                <a16:creationId xmlns:a16="http://schemas.microsoft.com/office/drawing/2014/main" xmlns="" id="{3062BA1D-0874-4C17-9524-E05832D54B27}"/>
+                <a16:creationId xmlns:a16="http://schemas.microsoft.com/office/drawing/2014/main" id="{3062BA1D-0874-4C17-9524-E05832D54B27}"/>
               </a:ext>
             </a:extLst>
           </p:cNvPr>
@@ -2878,7 +2873,7 @@
           <p:cNvPr id="4" name="Date Placeholder 3">
             <a:extLst>
               <a:ext uri="{FF2B5EF4-FFF2-40B4-BE49-F238E27FC236}">
-                <a16:creationId xmlns:a16="http://schemas.microsoft.com/office/drawing/2014/main" xmlns="" id="{D33B754A-9EEA-4A8A-AA3F-FDA04010D415}"/>
+                <a16:creationId xmlns:a16="http://schemas.microsoft.com/office/drawing/2014/main" id="{D33B754A-9EEA-4A8A-AA3F-FDA04010D415}"/>
               </a:ext>
             </a:extLst>
           </p:cNvPr>
@@ -2914,7 +2909,7 @@
           <a:p>
             <a:fld id="{2F59B36B-A8DA-4A94-B313-FD28DB1827DB}" type="datetimeFigureOut">
               <a:rPr lang="en-US" smtClean="0"/>
-              <a:t>5/21/2021</a:t>
+              <a:t>12/27/2018</a:t>
             </a:fld>
             <a:endParaRPr lang="en-US"/>
           </a:p>
@@ -2925,7 +2920,7 @@
           <p:cNvPr id="5" name="Footer Placeholder 4">
             <a:extLst>
               <a:ext uri="{FF2B5EF4-FFF2-40B4-BE49-F238E27FC236}">
-                <a16:creationId xmlns:a16="http://schemas.microsoft.com/office/drawing/2014/main" xmlns="" id="{BB18E826-32D6-44AF-8C83-B5888E9BDB86}"/>
+                <a16:creationId xmlns:a16="http://schemas.microsoft.com/office/drawing/2014/main" id="{BB18E826-32D6-44AF-8C83-B5888E9BDB86}"/>
               </a:ext>
             </a:extLst>
           </p:cNvPr>
@@ -2968,7 +2963,7 @@
           <p:cNvPr id="6" name="Slide Number Placeholder 5">
             <a:extLst>
               <a:ext uri="{FF2B5EF4-FFF2-40B4-BE49-F238E27FC236}">
-                <a16:creationId xmlns:a16="http://schemas.microsoft.com/office/drawing/2014/main" xmlns="" id="{74EA04D1-6A0A-4B9E-A251-EE58DDE35108}"/>
+                <a16:creationId xmlns:a16="http://schemas.microsoft.com/office/drawing/2014/main" id="{74EA04D1-6A0A-4B9E-A251-EE58DDE35108}"/>
               </a:ext>
             </a:extLst>
           </p:cNvPr>
@@ -3336,7 +3331,7 @@
           <p:cNvPr id="2" name="Title 1">
             <a:extLst>
               <a:ext uri="{FF2B5EF4-FFF2-40B4-BE49-F238E27FC236}">
-                <a16:creationId xmlns:a16="http://schemas.microsoft.com/office/drawing/2014/main" xmlns="" id="{C4CACE76-4532-4A94-A95B-B08F4A658427}"/>
+                <a16:creationId xmlns:a16="http://schemas.microsoft.com/office/drawing/2014/main" id="{C4CACE76-4532-4A94-A95B-B08F4A658427}"/>
               </a:ext>
             </a:extLst>
           </p:cNvPr>
@@ -3365,7 +3360,7 @@
           <p:cNvPr id="3" name="Subtitle 2">
             <a:extLst>
               <a:ext uri="{FF2B5EF4-FFF2-40B4-BE49-F238E27FC236}">
-                <a16:creationId xmlns:a16="http://schemas.microsoft.com/office/drawing/2014/main" xmlns="" id="{27F97697-AE67-4729-9166-1212E3B28357}"/>
+                <a16:creationId xmlns:a16="http://schemas.microsoft.com/office/drawing/2014/main" id="{27F97697-AE67-4729-9166-1212E3B28357}"/>
               </a:ext>
             </a:extLst>
           </p:cNvPr>
@@ -3381,23 +3376,7 @@
           <a:bodyPr/>
           <a:lstStyle/>
           <a:p>
-            <a:r>
-              <a:rPr lang="en-US" dirty="0" smtClean="0"/>
-              <a:t>Name: </a:t>
-            </a:r>
-            <a:r>
-              <a:rPr lang="en-US" dirty="0" err="1" smtClean="0"/>
-              <a:t>Dhananjay</a:t>
-            </a:r>
-            <a:r>
-              <a:rPr lang="en-US" dirty="0" smtClean="0"/>
-              <a:t> </a:t>
-            </a:r>
-            <a:r>
-              <a:rPr lang="en-US" dirty="0" err="1" smtClean="0"/>
-              <a:t>Adik</a:t>
-            </a:r>
-            <a:endParaRPr lang="en-US" dirty="0" smtClean="0"/>
+            <a:endParaRPr lang="en-US"/>
           </a:p>
         </p:txBody>
       </p:sp>
@@ -3436,7 +3415,7 @@
           <p:cNvPr id="2" name="Title 1">
             <a:extLst>
               <a:ext uri="{FF2B5EF4-FFF2-40B4-BE49-F238E27FC236}">
-                <a16:creationId xmlns:a16="http://schemas.microsoft.com/office/drawing/2014/main" xmlns="" id="{A5576798-0ED3-4F8C-B3F7-9C107C8DC813}"/>
+                <a16:creationId xmlns:a16="http://schemas.microsoft.com/office/drawing/2014/main" id="{A5576798-0ED3-4F8C-B3F7-9C107C8DC813}"/>
               </a:ext>
             </a:extLst>
           </p:cNvPr>
@@ -3464,7 +3443,7 @@
           <p:cNvPr id="3" name="Content Placeholder 2">
             <a:extLst>
               <a:ext uri="{FF2B5EF4-FFF2-40B4-BE49-F238E27FC236}">
-                <a16:creationId xmlns:a16="http://schemas.microsoft.com/office/drawing/2014/main" xmlns="" id="{59A640C6-8E92-4029-AB4B-1F8A7E39A0DF}"/>
+                <a16:creationId xmlns:a16="http://schemas.microsoft.com/office/drawing/2014/main" id="{59A640C6-8E92-4029-AB4B-1F8A7E39A0DF}"/>
               </a:ext>
             </a:extLst>
           </p:cNvPr>
@@ -3531,7 +3510,7 @@
           <p:cNvPr id="2" name="Title 1">
             <a:extLst>
               <a:ext uri="{FF2B5EF4-FFF2-40B4-BE49-F238E27FC236}">
-                <a16:creationId xmlns:a16="http://schemas.microsoft.com/office/drawing/2014/main" xmlns="" id="{8B3D63A4-D554-4F0F-9A38-AA0557EB9FE9}"/>
+                <a16:creationId xmlns:a16="http://schemas.microsoft.com/office/drawing/2014/main" id="{8B3D63A4-D554-4F0F-9A38-AA0557EB9FE9}"/>
               </a:ext>
             </a:extLst>
           </p:cNvPr>
@@ -3563,7 +3542,7 @@
           <p:cNvPr id="3" name="Content Placeholder 2">
             <a:extLst>
               <a:ext uri="{FF2B5EF4-FFF2-40B4-BE49-F238E27FC236}">
-                <a16:creationId xmlns:a16="http://schemas.microsoft.com/office/drawing/2014/main" xmlns="" id="{1D94F5E6-F7F8-44FF-9A4F-EBBBED9743E9}"/>
+                <a16:creationId xmlns:a16="http://schemas.microsoft.com/office/drawing/2014/main" id="{1D94F5E6-F7F8-44FF-9A4F-EBBBED9743E9}"/>
               </a:ext>
             </a:extLst>
           </p:cNvPr>
@@ -3640,7 +3619,7 @@
           <p:cNvPr id="2" name="Title 1">
             <a:extLst>
               <a:ext uri="{FF2B5EF4-FFF2-40B4-BE49-F238E27FC236}">
-                <a16:creationId xmlns:a16="http://schemas.microsoft.com/office/drawing/2014/main" xmlns="" id="{0794CFA6-9CAA-45CC-A09F-A7E04B1E387B}"/>
+                <a16:creationId xmlns:a16="http://schemas.microsoft.com/office/drawing/2014/main" id="{0794CFA6-9CAA-45CC-A09F-A7E04B1E387B}"/>
               </a:ext>
             </a:extLst>
           </p:cNvPr>
@@ -3672,7 +3651,7 @@
           <p:cNvPr id="3" name="Content Placeholder 2">
             <a:extLst>
               <a:ext uri="{FF2B5EF4-FFF2-40B4-BE49-F238E27FC236}">
-                <a16:creationId xmlns:a16="http://schemas.microsoft.com/office/drawing/2014/main" xmlns="" id="{C56E4322-EA45-4A38-9CA7-B31D22882841}"/>
+                <a16:creationId xmlns:a16="http://schemas.microsoft.com/office/drawing/2014/main" id="{C56E4322-EA45-4A38-9CA7-B31D22882841}"/>
               </a:ext>
             </a:extLst>
           </p:cNvPr>
@@ -3739,7 +3718,7 @@
           <p:cNvPr id="2" name="Title 1">
             <a:extLst>
               <a:ext uri="{FF2B5EF4-FFF2-40B4-BE49-F238E27FC236}">
-                <a16:creationId xmlns:a16="http://schemas.microsoft.com/office/drawing/2014/main" xmlns="" id="{32EFAC26-E64D-4750-B03D-89098A72D5D0}"/>
+                <a16:creationId xmlns:a16="http://schemas.microsoft.com/office/drawing/2014/main" id="{32EFAC26-E64D-4750-B03D-89098A72D5D0}"/>
               </a:ext>
             </a:extLst>
           </p:cNvPr>
@@ -3767,7 +3746,7 @@
           <p:cNvPr id="3" name="Content Placeholder 2">
             <a:extLst>
               <a:ext uri="{FF2B5EF4-FFF2-40B4-BE49-F238E27FC236}">
-                <a16:creationId xmlns:a16="http://schemas.microsoft.com/office/drawing/2014/main" xmlns="" id="{78BDDC58-3177-4482-83F5-30C27B3E977B}"/>
+                <a16:creationId xmlns:a16="http://schemas.microsoft.com/office/drawing/2014/main" id="{78BDDC58-3177-4482-83F5-30C27B3E977B}"/>
               </a:ext>
             </a:extLst>
           </p:cNvPr>
@@ -3861,7 +3840,7 @@
           <p:cNvPr id="2" name="Title 1">
             <a:extLst>
               <a:ext uri="{FF2B5EF4-FFF2-40B4-BE49-F238E27FC236}">
-                <a16:creationId xmlns:a16="http://schemas.microsoft.com/office/drawing/2014/main" xmlns="" id="{D4F51AAF-31EF-451C-83CC-66046738CBF3}"/>
+                <a16:creationId xmlns:a16="http://schemas.microsoft.com/office/drawing/2014/main" id="{D4F51AAF-31EF-451C-83CC-66046738CBF3}"/>
               </a:ext>
             </a:extLst>
           </p:cNvPr>
@@ -3889,7 +3868,7 @@
           <p:cNvPr id="3" name="Content Placeholder 2">
             <a:extLst>
               <a:ext uri="{FF2B5EF4-FFF2-40B4-BE49-F238E27FC236}">
-                <a16:creationId xmlns:a16="http://schemas.microsoft.com/office/drawing/2014/main" xmlns="" id="{D59B18D8-A8C2-4BAC-A540-76221EF41F1C}"/>
+                <a16:creationId xmlns:a16="http://schemas.microsoft.com/office/drawing/2014/main" id="{D59B18D8-A8C2-4BAC-A540-76221EF41F1C}"/>
               </a:ext>
             </a:extLst>
           </p:cNvPr>
